--- a/warner-techorama-vscode.pptx
+++ b/warner-techorama-vscode.pptx
@@ -16,10 +16,11 @@
     <p:sldId id="267" r:id="rId10"/>
     <p:sldId id="270" r:id="rId11"/>
     <p:sldId id="268" r:id="rId12"/>
-    <p:sldId id="269" r:id="rId13"/>
-    <p:sldId id="260" r:id="rId14"/>
-    <p:sldId id="262" r:id="rId15"/>
-    <p:sldId id="263" r:id="rId16"/>
+    <p:sldId id="271" r:id="rId13"/>
+    <p:sldId id="269" r:id="rId14"/>
+    <p:sldId id="260" r:id="rId15"/>
+    <p:sldId id="262" r:id="rId16"/>
+    <p:sldId id="263" r:id="rId17"/>
   </p:sldIdLst>
   <p:sldSz cx="12192000" cy="6858000"/>
   <p:notesSz cx="6858000" cy="9144000"/>
@@ -459,7 +460,7 @@
           <a:p>
             <a:fld id="{254876BD-CA95-4813-B823-2C7AE2FEDBDC}" type="datetimeFigureOut">
               <a:rPr lang="en-GB" smtClean="0"/>
-              <a:t>20/05/2019</a:t>
+              <a:t>21/05/2019</a:t>
             </a:fld>
             <a:endParaRPr lang="en-GB"/>
           </a:p>
@@ -695,7 +696,7 @@
           <a:p>
             <a:fld id="{254876BD-CA95-4813-B823-2C7AE2FEDBDC}" type="datetimeFigureOut">
               <a:rPr lang="en-GB" smtClean="0"/>
-              <a:t>20/05/2019</a:t>
+              <a:t>21/05/2019</a:t>
             </a:fld>
             <a:endParaRPr lang="en-GB"/>
           </a:p>
@@ -941,7 +942,7 @@
           <a:p>
             <a:fld id="{254876BD-CA95-4813-B823-2C7AE2FEDBDC}" type="datetimeFigureOut">
               <a:rPr lang="en-GB" smtClean="0"/>
-              <a:t>20/05/2019</a:t>
+              <a:t>21/05/2019</a:t>
             </a:fld>
             <a:endParaRPr lang="en-GB"/>
           </a:p>
@@ -1433,7 +1434,7 @@
           <a:p>
             <a:fld id="{254876BD-CA95-4813-B823-2C7AE2FEDBDC}" type="datetimeFigureOut">
               <a:rPr lang="en-GB" smtClean="0"/>
-              <a:t>20/05/2019</a:t>
+              <a:t>21/05/2019</a:t>
             </a:fld>
             <a:endParaRPr lang="en-GB"/>
           </a:p>
@@ -1721,7 +1722,7 @@
           <a:p>
             <a:fld id="{254876BD-CA95-4813-B823-2C7AE2FEDBDC}" type="datetimeFigureOut">
               <a:rPr lang="en-GB" smtClean="0"/>
-              <a:t>20/05/2019</a:t>
+              <a:t>21/05/2019</a:t>
             </a:fld>
             <a:endParaRPr lang="en-GB"/>
           </a:p>
@@ -2033,7 +2034,7 @@
           <a:p>
             <a:fld id="{254876BD-CA95-4813-B823-2C7AE2FEDBDC}" type="datetimeFigureOut">
               <a:rPr lang="en-GB" smtClean="0"/>
-              <a:t>20/05/2019</a:t>
+              <a:t>21/05/2019</a:t>
             </a:fld>
             <a:endParaRPr lang="en-GB"/>
           </a:p>
@@ -2337,7 +2338,7 @@
           <a:p>
             <a:fld id="{254876BD-CA95-4813-B823-2C7AE2FEDBDC}" type="datetimeFigureOut">
               <a:rPr lang="en-GB" smtClean="0"/>
-              <a:t>20/05/2019</a:t>
+              <a:t>21/05/2019</a:t>
             </a:fld>
             <a:endParaRPr lang="en-GB"/>
           </a:p>
@@ -2788,7 +2789,7 @@
           <a:p>
             <a:fld id="{254876BD-CA95-4813-B823-2C7AE2FEDBDC}" type="datetimeFigureOut">
               <a:rPr lang="en-GB" smtClean="0"/>
-              <a:t>20/05/2019</a:t>
+              <a:t>21/05/2019</a:t>
             </a:fld>
             <a:endParaRPr lang="en-GB"/>
           </a:p>
@@ -2966,7 +2967,7 @@
           <a:p>
             <a:fld id="{254876BD-CA95-4813-B823-2C7AE2FEDBDC}" type="datetimeFigureOut">
               <a:rPr lang="en-GB" smtClean="0"/>
-              <a:t>20/05/2019</a:t>
+              <a:t>21/05/2019</a:t>
             </a:fld>
             <a:endParaRPr lang="en-GB"/>
           </a:p>
@@ -3115,7 +3116,7 @@
           <a:p>
             <a:fld id="{254876BD-CA95-4813-B823-2C7AE2FEDBDC}" type="datetimeFigureOut">
               <a:rPr lang="en-GB" smtClean="0"/>
-              <a:t>20/05/2019</a:t>
+              <a:t>21/05/2019</a:t>
             </a:fld>
             <a:endParaRPr lang="en-GB"/>
           </a:p>
@@ -3464,7 +3465,7 @@
           <a:p>
             <a:fld id="{254876BD-CA95-4813-B823-2C7AE2FEDBDC}" type="datetimeFigureOut">
               <a:rPr lang="en-GB" smtClean="0"/>
-              <a:t>20/05/2019</a:t>
+              <a:t>21/05/2019</a:t>
             </a:fld>
             <a:endParaRPr lang="en-GB"/>
           </a:p>
@@ -3743,7 +3744,7 @@
           <a:p>
             <a:fld id="{254876BD-CA95-4813-B823-2C7AE2FEDBDC}" type="datetimeFigureOut">
               <a:rPr lang="en-GB" smtClean="0"/>
-              <a:t>20/05/2019</a:t>
+              <a:t>21/05/2019</a:t>
             </a:fld>
             <a:endParaRPr lang="en-GB"/>
           </a:p>
@@ -5416,6 +5417,564 @@
       </p:grpSpPr>
       <p:sp>
         <p:nvSpPr>
+          <p:cNvPr id="4" name="Title 3">
+            <a:extLst>
+              <a:ext uri="{FF2B5EF4-FFF2-40B4-BE49-F238E27FC236}">
+                <a16:creationId xmlns:a16="http://schemas.microsoft.com/office/drawing/2014/main" id="{520CE4E1-B3E8-4675-BBC2-66B7F0901728}"/>
+              </a:ext>
+            </a:extLst>
+          </p:cNvPr>
+          <p:cNvSpPr>
+            <a:spLocks noGrp="1"/>
+          </p:cNvSpPr>
+          <p:nvPr>
+            <p:ph type="title"/>
+          </p:nvPr>
+        </p:nvSpPr>
+        <p:spPr/>
+        <p:txBody>
+          <a:bodyPr/>
+          <a:lstStyle/>
+          <a:p>
+            <a:r>
+              <a:rPr lang="en-US" dirty="0"/>
+              <a:t>PowerShell Editor Services</a:t>
+            </a:r>
+          </a:p>
+        </p:txBody>
+      </p:sp>
+      <p:sp>
+        <p:nvSpPr>
+          <p:cNvPr id="5" name="Content Placeholder 4">
+            <a:extLst>
+              <a:ext uri="{FF2B5EF4-FFF2-40B4-BE49-F238E27FC236}">
+                <a16:creationId xmlns:a16="http://schemas.microsoft.com/office/drawing/2014/main" id="{19B32DEE-D4CB-49A1-9620-44B90F031FD5}"/>
+              </a:ext>
+            </a:extLst>
+          </p:cNvPr>
+          <p:cNvSpPr>
+            <a:spLocks noGrp="1"/>
+          </p:cNvSpPr>
+          <p:nvPr>
+            <p:ph idx="1"/>
+          </p:nvPr>
+        </p:nvSpPr>
+        <p:spPr>
+          <a:xfrm>
+            <a:off x="838200" y="1825625"/>
+            <a:ext cx="5606988" cy="4351338"/>
+          </a:xfrm>
+        </p:spPr>
+        <p:txBody>
+          <a:bodyPr>
+            <a:normAutofit/>
+          </a:bodyPr>
+          <a:lstStyle/>
+          <a:p>
+            <a:r>
+              <a:rPr lang="en-US" dirty="0">
+                <a:solidFill>
+                  <a:srgbClr val="FFFF00"/>
+                </a:solidFill>
+              </a:rPr>
+              <a:t>Language Service </a:t>
+            </a:r>
+            <a:r>
+              <a:rPr lang="en-US" dirty="0"/>
+              <a:t>(references, IntelliSense, </a:t>
+            </a:r>
+            <a:r>
+              <a:rPr lang="en-US" dirty="0" err="1"/>
+              <a:t>PSScriptAnalyzer</a:t>
+            </a:r>
+            <a:r>
+              <a:rPr lang="en-US" dirty="0"/>
+              <a:t>)</a:t>
+            </a:r>
+          </a:p>
+          <a:p>
+            <a:r>
+              <a:rPr lang="en-US" dirty="0">
+                <a:solidFill>
+                  <a:srgbClr val="FFFF00"/>
+                </a:solidFill>
+              </a:rPr>
+              <a:t>Debugging Service </a:t>
+            </a:r>
+            <a:r>
+              <a:rPr lang="en-US" dirty="0"/>
+              <a:t>(breakpoints, variables, call stack)</a:t>
+            </a:r>
+          </a:p>
+          <a:p>
+            <a:r>
+              <a:rPr lang="en-US" dirty="0">
+                <a:solidFill>
+                  <a:srgbClr val="FFFF00"/>
+                </a:solidFill>
+              </a:rPr>
+              <a:t>$</a:t>
+            </a:r>
+            <a:r>
+              <a:rPr lang="en-US" dirty="0" err="1">
+                <a:solidFill>
+                  <a:srgbClr val="FFFF00"/>
+                </a:solidFill>
+              </a:rPr>
+              <a:t>psEditor</a:t>
+            </a:r>
+            <a:r>
+              <a:rPr lang="en-US" dirty="0">
+                <a:solidFill>
+                  <a:srgbClr val="FFFF00"/>
+                </a:solidFill>
+              </a:rPr>
+              <a:t> API </a:t>
+            </a:r>
+            <a:r>
+              <a:rPr lang="en-US" dirty="0"/>
+              <a:t>(scripting of the host editor)</a:t>
+            </a:r>
+          </a:p>
+          <a:p>
+            <a:r>
+              <a:rPr lang="en-US" dirty="0">
+                <a:solidFill>
+                  <a:srgbClr val="FFFF00"/>
+                </a:solidFill>
+              </a:rPr>
+              <a:t>Integrated Console </a:t>
+            </a:r>
+            <a:r>
+              <a:rPr lang="en-US" dirty="0"/>
+              <a:t>(interactive development and debugging)</a:t>
+            </a:r>
+          </a:p>
+        </p:txBody>
+      </p:sp>
+      <p:grpSp>
+        <p:nvGrpSpPr>
+          <p:cNvPr id="8" name="Group 7">
+            <a:extLst>
+              <a:ext uri="{FF2B5EF4-FFF2-40B4-BE49-F238E27FC236}">
+                <a16:creationId xmlns:a16="http://schemas.microsoft.com/office/drawing/2014/main" id="{E6BDB7AF-40D9-4F7D-949C-2720F2146187}"/>
+              </a:ext>
+            </a:extLst>
+          </p:cNvPr>
+          <p:cNvGrpSpPr/>
+          <p:nvPr/>
+        </p:nvGrpSpPr>
+        <p:grpSpPr>
+          <a:xfrm>
+            <a:off x="7458583" y="1372258"/>
+            <a:ext cx="3895217" cy="4728737"/>
+            <a:chOff x="7458583" y="1381136"/>
+            <a:chExt cx="3895217" cy="4728737"/>
+          </a:xfrm>
+        </p:grpSpPr>
+        <p:grpSp>
+          <p:nvGrpSpPr>
+            <p:cNvPr id="7" name="Group 6">
+              <a:extLst>
+                <a:ext uri="{FF2B5EF4-FFF2-40B4-BE49-F238E27FC236}">
+                  <a16:creationId xmlns:a16="http://schemas.microsoft.com/office/drawing/2014/main" id="{57CB02E8-9420-4500-A58C-A7C43BE4B00D}"/>
+                </a:ext>
+              </a:extLst>
+            </p:cNvPr>
+            <p:cNvGrpSpPr/>
+            <p:nvPr/>
+          </p:nvGrpSpPr>
+          <p:grpSpPr>
+            <a:xfrm>
+              <a:off x="7458583" y="1381136"/>
+              <a:ext cx="3895217" cy="4728737"/>
+              <a:chOff x="7590408" y="1443279"/>
+              <a:chExt cx="3895217" cy="4728737"/>
+            </a:xfrm>
+          </p:grpSpPr>
+          <p:pic>
+            <p:nvPicPr>
+              <p:cNvPr id="1028" name="Picture 4" descr="http://pluralsight-static.s3.amazonaws.com/authorkit/img-041619/Tech-Objects/White/code_White.png">
+                <a:extLst>
+                  <a:ext uri="{FF2B5EF4-FFF2-40B4-BE49-F238E27FC236}">
+                    <a16:creationId xmlns:a16="http://schemas.microsoft.com/office/drawing/2014/main" id="{FA4AD056-C99A-4BDE-AC85-22FF3138D2DD}"/>
+                  </a:ext>
+                </a:extLst>
+              </p:cNvPr>
+              <p:cNvPicPr>
+                <a:picLocks noChangeAspect="1" noChangeArrowheads="1"/>
+              </p:cNvPicPr>
+              <p:nvPr/>
+            </p:nvPicPr>
+            <p:blipFill>
+              <a:blip r:embed="rId2">
+                <a:extLst>
+                  <a:ext uri="{28A0092B-C50C-407E-A947-70E740481C1C}">
+                    <a14:useLocalDpi xmlns:a14="http://schemas.microsoft.com/office/drawing/2010/main" val="0"/>
+                  </a:ext>
+                </a:extLst>
+              </a:blip>
+              <a:srcRect/>
+              <a:stretch>
+                <a:fillRect/>
+              </a:stretch>
+            </p:blipFill>
+            <p:spPr bwMode="auto">
+              <a:xfrm>
+                <a:off x="7590408" y="1879967"/>
+                <a:ext cx="3895217" cy="4292049"/>
+              </a:xfrm>
+              <a:prstGeom prst="rect">
+                <a:avLst/>
+              </a:prstGeom>
+              <a:noFill/>
+              <a:extLst>
+                <a:ext uri="{909E8E84-426E-40DD-AFC4-6F175D3DCCD1}">
+                  <a14:hiddenFill xmlns:a14="http://schemas.microsoft.com/office/drawing/2010/main">
+                    <a:solidFill>
+                      <a:srgbClr val="FFFFFF"/>
+                    </a:solidFill>
+                  </a14:hiddenFill>
+                </a:ext>
+              </a:extLst>
+            </p:spPr>
+          </p:pic>
+          <p:sp>
+            <p:nvSpPr>
+              <p:cNvPr id="6" name="TextBox 5">
+                <a:extLst>
+                  <a:ext uri="{FF2B5EF4-FFF2-40B4-BE49-F238E27FC236}">
+                    <a16:creationId xmlns:a16="http://schemas.microsoft.com/office/drawing/2014/main" id="{060ABA8E-3C0A-49FA-84C5-476834CABD37}"/>
+                  </a:ext>
+                </a:extLst>
+              </p:cNvPr>
+              <p:cNvSpPr txBox="1"/>
+              <p:nvPr/>
+            </p:nvSpPr>
+            <p:spPr>
+              <a:xfrm>
+                <a:off x="7670307" y="1443279"/>
+                <a:ext cx="3683493" cy="523220"/>
+              </a:xfrm>
+              <a:prstGeom prst="rect">
+                <a:avLst/>
+              </a:prstGeom>
+              <a:noFill/>
+            </p:spPr>
+            <p:txBody>
+              <a:bodyPr wrap="square" rtlCol="0">
+                <a:spAutoFit/>
+              </a:bodyPr>
+              <a:lstStyle/>
+              <a:p>
+                <a:pPr algn="ctr"/>
+                <a:r>
+                  <a:rPr lang="en-US" sz="2800" b="1" dirty="0">
+                    <a:solidFill>
+                      <a:schemeClr val="bg1"/>
+                    </a:solidFill>
+                  </a:rPr>
+                  <a:t>Any editor!</a:t>
+                </a:r>
+              </a:p>
+            </p:txBody>
+          </p:sp>
+        </p:grpSp>
+        <p:pic>
+          <p:nvPicPr>
+            <p:cNvPr id="10" name="Picture 9">
+              <a:extLst>
+                <a:ext uri="{FF2B5EF4-FFF2-40B4-BE49-F238E27FC236}">
+                  <a16:creationId xmlns:a16="http://schemas.microsoft.com/office/drawing/2014/main" id="{DA8FB4F0-F7DB-4EA7-AC3F-E2B31F758D56}"/>
+                </a:ext>
+              </a:extLst>
+            </p:cNvPr>
+            <p:cNvPicPr>
+              <a:picLocks noChangeAspect="1"/>
+            </p:cNvPicPr>
+            <p:nvPr/>
+          </p:nvPicPr>
+          <p:blipFill>
+            <a:blip r:embed="rId3">
+              <a:extLst>
+                <a:ext uri="{28A0092B-C50C-407E-A947-70E740481C1C}">
+                  <a14:useLocalDpi xmlns:a14="http://schemas.microsoft.com/office/drawing/2010/main" val="0"/>
+                </a:ext>
+              </a:extLst>
+            </a:blip>
+            <a:stretch>
+              <a:fillRect/>
+            </a:stretch>
+          </p:blipFill>
+          <p:spPr>
+            <a:xfrm>
+              <a:off x="9600137" y="2706699"/>
+              <a:ext cx="1505088" cy="1152898"/>
+            </a:xfrm>
+            <a:prstGeom prst="rect">
+              <a:avLst/>
+            </a:prstGeom>
+          </p:spPr>
+        </p:pic>
+      </p:grpSp>
+    </p:spTree>
+    <p:extLst>
+      <p:ext uri="{BB962C8B-B14F-4D97-AF65-F5344CB8AC3E}">
+        <p14:creationId xmlns:p14="http://schemas.microsoft.com/office/powerpoint/2010/main" val="139549467"/>
+      </p:ext>
+    </p:extLst>
+  </p:cSld>
+  <p:clrMapOvr>
+    <a:masterClrMapping/>
+  </p:clrMapOvr>
+  <p:timing>
+    <p:tnLst>
+      <p:par>
+        <p:cTn id="1" dur="indefinite" restart="never" nodeType="tmRoot">
+          <p:childTnLst>
+            <p:seq concurrent="1" nextAc="seek">
+              <p:cTn id="2" dur="indefinite" nodeType="mainSeq">
+                <p:childTnLst>
+                  <p:par>
+                    <p:cTn id="3" fill="hold">
+                      <p:stCondLst>
+                        <p:cond delay="indefinite"/>
+                      </p:stCondLst>
+                      <p:childTnLst>
+                        <p:par>
+                          <p:cTn id="4" fill="hold">
+                            <p:stCondLst>
+                              <p:cond delay="0"/>
+                            </p:stCondLst>
+                            <p:childTnLst>
+                              <p:par>
+                                <p:cTn id="5" presetID="1" presetClass="entr" presetSubtype="0" fill="hold" nodeType="clickEffect">
+                                  <p:stCondLst>
+                                    <p:cond delay="0"/>
+                                  </p:stCondLst>
+                                  <p:childTnLst>
+                                    <p:set>
+                                      <p:cBhvr>
+                                        <p:cTn id="6" dur="1" fill="hold">
+                                          <p:stCondLst>
+                                            <p:cond delay="0"/>
+                                          </p:stCondLst>
+                                        </p:cTn>
+                                        <p:tgtEl>
+                                          <p:spTgt spid="5">
+                                            <p:txEl>
+                                              <p:pRg st="0" end="0"/>
+                                            </p:txEl>
+                                          </p:spTgt>
+                                        </p:tgtEl>
+                                        <p:attrNameLst>
+                                          <p:attrName>style.visibility</p:attrName>
+                                        </p:attrNameLst>
+                                      </p:cBhvr>
+                                      <p:to>
+                                        <p:strVal val="visible"/>
+                                      </p:to>
+                                    </p:set>
+                                  </p:childTnLst>
+                                </p:cTn>
+                              </p:par>
+                            </p:childTnLst>
+                          </p:cTn>
+                        </p:par>
+                      </p:childTnLst>
+                    </p:cTn>
+                  </p:par>
+                  <p:par>
+                    <p:cTn id="7" fill="hold">
+                      <p:stCondLst>
+                        <p:cond delay="indefinite"/>
+                      </p:stCondLst>
+                      <p:childTnLst>
+                        <p:par>
+                          <p:cTn id="8" fill="hold">
+                            <p:stCondLst>
+                              <p:cond delay="0"/>
+                            </p:stCondLst>
+                            <p:childTnLst>
+                              <p:par>
+                                <p:cTn id="9" presetID="1" presetClass="entr" presetSubtype="0" fill="hold" nodeType="clickEffect">
+                                  <p:stCondLst>
+                                    <p:cond delay="0"/>
+                                  </p:stCondLst>
+                                  <p:childTnLst>
+                                    <p:set>
+                                      <p:cBhvr>
+                                        <p:cTn id="10" dur="1" fill="hold">
+                                          <p:stCondLst>
+                                            <p:cond delay="0"/>
+                                          </p:stCondLst>
+                                        </p:cTn>
+                                        <p:tgtEl>
+                                          <p:spTgt spid="5">
+                                            <p:txEl>
+                                              <p:pRg st="1" end="1"/>
+                                            </p:txEl>
+                                          </p:spTgt>
+                                        </p:tgtEl>
+                                        <p:attrNameLst>
+                                          <p:attrName>style.visibility</p:attrName>
+                                        </p:attrNameLst>
+                                      </p:cBhvr>
+                                      <p:to>
+                                        <p:strVal val="visible"/>
+                                      </p:to>
+                                    </p:set>
+                                  </p:childTnLst>
+                                </p:cTn>
+                              </p:par>
+                            </p:childTnLst>
+                          </p:cTn>
+                        </p:par>
+                      </p:childTnLst>
+                    </p:cTn>
+                  </p:par>
+                  <p:par>
+                    <p:cTn id="11" fill="hold">
+                      <p:stCondLst>
+                        <p:cond delay="indefinite"/>
+                      </p:stCondLst>
+                      <p:childTnLst>
+                        <p:par>
+                          <p:cTn id="12" fill="hold">
+                            <p:stCondLst>
+                              <p:cond delay="0"/>
+                            </p:stCondLst>
+                            <p:childTnLst>
+                              <p:par>
+                                <p:cTn id="13" presetID="1" presetClass="entr" presetSubtype="0" fill="hold" nodeType="clickEffect">
+                                  <p:stCondLst>
+                                    <p:cond delay="0"/>
+                                  </p:stCondLst>
+                                  <p:childTnLst>
+                                    <p:set>
+                                      <p:cBhvr>
+                                        <p:cTn id="14" dur="1" fill="hold">
+                                          <p:stCondLst>
+                                            <p:cond delay="0"/>
+                                          </p:stCondLst>
+                                        </p:cTn>
+                                        <p:tgtEl>
+                                          <p:spTgt spid="5">
+                                            <p:txEl>
+                                              <p:pRg st="2" end="2"/>
+                                            </p:txEl>
+                                          </p:spTgt>
+                                        </p:tgtEl>
+                                        <p:attrNameLst>
+                                          <p:attrName>style.visibility</p:attrName>
+                                        </p:attrNameLst>
+                                      </p:cBhvr>
+                                      <p:to>
+                                        <p:strVal val="visible"/>
+                                      </p:to>
+                                    </p:set>
+                                  </p:childTnLst>
+                                </p:cTn>
+                              </p:par>
+                            </p:childTnLst>
+                          </p:cTn>
+                        </p:par>
+                      </p:childTnLst>
+                    </p:cTn>
+                  </p:par>
+                  <p:par>
+                    <p:cTn id="15" fill="hold">
+                      <p:stCondLst>
+                        <p:cond delay="indefinite"/>
+                      </p:stCondLst>
+                      <p:childTnLst>
+                        <p:par>
+                          <p:cTn id="16" fill="hold">
+                            <p:stCondLst>
+                              <p:cond delay="0"/>
+                            </p:stCondLst>
+                            <p:childTnLst>
+                              <p:par>
+                                <p:cTn id="17" presetID="1" presetClass="entr" presetSubtype="0" fill="hold" nodeType="clickEffect">
+                                  <p:stCondLst>
+                                    <p:cond delay="0"/>
+                                  </p:stCondLst>
+                                  <p:childTnLst>
+                                    <p:set>
+                                      <p:cBhvr>
+                                        <p:cTn id="18" dur="1" fill="hold">
+                                          <p:stCondLst>
+                                            <p:cond delay="0"/>
+                                          </p:stCondLst>
+                                        </p:cTn>
+                                        <p:tgtEl>
+                                          <p:spTgt spid="5">
+                                            <p:txEl>
+                                              <p:pRg st="3" end="3"/>
+                                            </p:txEl>
+                                          </p:spTgt>
+                                        </p:tgtEl>
+                                        <p:attrNameLst>
+                                          <p:attrName>style.visibility</p:attrName>
+                                        </p:attrNameLst>
+                                      </p:cBhvr>
+                                      <p:to>
+                                        <p:strVal val="visible"/>
+                                      </p:to>
+                                    </p:set>
+                                  </p:childTnLst>
+                                </p:cTn>
+                              </p:par>
+                            </p:childTnLst>
+                          </p:cTn>
+                        </p:par>
+                      </p:childTnLst>
+                    </p:cTn>
+                  </p:par>
+                </p:childTnLst>
+              </p:cTn>
+              <p:prevCondLst>
+                <p:cond evt="onPrev" delay="0">
+                  <p:tgtEl>
+                    <p:sldTgt/>
+                  </p:tgtEl>
+                </p:cond>
+              </p:prevCondLst>
+              <p:nextCondLst>
+                <p:cond evt="onNext" delay="0">
+                  <p:tgtEl>
+                    <p:sldTgt/>
+                  </p:tgtEl>
+                </p:cond>
+              </p:nextCondLst>
+            </p:seq>
+          </p:childTnLst>
+        </p:cTn>
+      </p:par>
+    </p:tnLst>
+  </p:timing>
+</p:sld>
+</file>
+
+<file path=ppt/slides/slide13.xml><?xml version="1.0" encoding="utf-8"?>
+<p:sld xmlns:a="http://schemas.openxmlformats.org/drawingml/2006/main" xmlns:r="http://schemas.openxmlformats.org/officeDocument/2006/relationships" xmlns:p="http://schemas.openxmlformats.org/presentationml/2006/main">
+  <p:cSld>
+    <p:spTree>
+      <p:nvGrpSpPr>
+        <p:cNvPr id="1" name=""/>
+        <p:cNvGrpSpPr/>
+        <p:nvPr/>
+      </p:nvGrpSpPr>
+      <p:grpSpPr>
+        <a:xfrm>
+          <a:off x="0" y="0"/>
+          <a:ext cx="0" cy="0"/>
+          <a:chOff x="0" y="0"/>
+          <a:chExt cx="0" cy="0"/>
+        </a:xfrm>
+      </p:grpSpPr>
+      <p:sp>
+        <p:nvSpPr>
           <p:cNvPr id="10" name="Title 9">
             <a:extLst>
               <a:ext uri="{FF2B5EF4-FFF2-40B4-BE49-F238E27FC236}">
@@ -5879,7 +6438,7 @@
 </p:sld>
 </file>
 
-<file path=ppt/slides/slide13.xml><?xml version="1.0" encoding="utf-8"?>
+<file path=ppt/slides/slide14.xml><?xml version="1.0" encoding="utf-8"?>
 <p:sld xmlns:a="http://schemas.openxmlformats.org/drawingml/2006/main" xmlns:r="http://schemas.openxmlformats.org/officeDocument/2006/relationships" xmlns:p="http://schemas.openxmlformats.org/presentationml/2006/main">
   <p:cSld>
     <p:spTree>
@@ -5994,7 +6553,7 @@
 </p:sld>
 </file>
 
-<file path=ppt/slides/slide14.xml><?xml version="1.0" encoding="utf-8"?>
+<file path=ppt/slides/slide15.xml><?xml version="1.0" encoding="utf-8"?>
 <p:sld xmlns:a="http://schemas.openxmlformats.org/drawingml/2006/main" xmlns:r="http://schemas.openxmlformats.org/officeDocument/2006/relationships" xmlns:p="http://schemas.openxmlformats.org/presentationml/2006/main">
   <p:cSld>
     <p:spTree>
@@ -6559,7 +7118,7 @@
 </p:sld>
 </file>
 
-<file path=ppt/slides/slide15.xml><?xml version="1.0" encoding="utf-8"?>
+<file path=ppt/slides/slide16.xml><?xml version="1.0" encoding="utf-8"?>
 <p:sld xmlns:a="http://schemas.openxmlformats.org/drawingml/2006/main" xmlns:r="http://schemas.openxmlformats.org/officeDocument/2006/relationships" xmlns:p="http://schemas.openxmlformats.org/presentationml/2006/main">
   <p:cSld>
     <p:spTree>
